--- a/Software Design Principles.pptx
+++ b/Software Design Principles.pptx
@@ -13459,7 +13459,7 @@
               <a:buChar char="●"/>
             </a:pPr>
             <a:r>
-              <a:rPr lang="en" sz="2000" dirty="0"/>
+              <a:rPr lang="en" sz="2400" dirty="0"/>
               <a:t>SOLID</a:t>
             </a:r>
           </a:p>
@@ -13475,7 +13475,7 @@
               <a:buFont typeface="Arial"/>
               <a:buChar char="●"/>
             </a:pPr>
-            <a:endParaRPr lang="en" sz="2000" dirty="0"/>
+            <a:endParaRPr lang="en" sz="2400" dirty="0"/>
           </a:p>
           <a:p>
             <a:pPr marL="457200" indent="-419100">
@@ -13486,10 +13486,10 @@
               <a:buChar char="●"/>
             </a:pPr>
             <a:r>
-              <a:rPr lang="en-US" sz="2000" dirty="0"/>
-              <a:t>Principle of Least Knowledge (Law of Demeter)</a:t>
-            </a:r>
-            <a:endParaRPr lang="en" sz="2000" dirty="0"/>
+              <a:rPr lang="en-US" sz="2400" dirty="0"/>
+              <a:t>Law of Demeter (Principle of Least Knowledge / Tell Don’t Ask)</a:t>
+            </a:r>
+            <a:endParaRPr lang="en" sz="2400" dirty="0"/>
           </a:p>
           <a:p>
             <a:pPr marL="457200" lvl="0" indent="-419100" rtl="0">
@@ -13503,7 +13503,7 @@
               <a:buFont typeface="Arial"/>
               <a:buChar char="●"/>
             </a:pPr>
-            <a:endParaRPr lang="en" sz="2000" dirty="0"/>
+            <a:endParaRPr lang="en" sz="2400" dirty="0"/>
           </a:p>
           <a:p>
             <a:pPr marL="457200" lvl="0" indent="-419100" rtl="0">
@@ -13518,7 +13518,7 @@
               <a:buChar char="●"/>
             </a:pPr>
             <a:r>
-              <a:rPr lang="en" sz="2000" dirty="0"/>
+              <a:rPr lang="en" sz="2400" dirty="0"/>
               <a:t>DRY (Do not Repeat Yourself)</a:t>
             </a:r>
           </a:p>
@@ -13534,7 +13534,7 @@
               <a:buFont typeface="Arial"/>
               <a:buChar char="●"/>
             </a:pPr>
-            <a:endParaRPr lang="en" sz="2000" dirty="0"/>
+            <a:endParaRPr lang="en" sz="2400" dirty="0"/>
           </a:p>
           <a:p>
             <a:pPr marL="457200" lvl="0" indent="-419100" rtl="0">
@@ -13549,27 +13549,14 @@
               <a:buChar char="●"/>
             </a:pPr>
             <a:r>
-              <a:rPr lang="en" sz="2000" dirty="0"/>
-              <a:t>YAGNI (You Ain’t Gonna Need It)</a:t>
-            </a:r>
-          </a:p>
-          <a:p>
-            <a:pPr marL="457200" lvl="0" indent="-419100" rtl="0">
-              <a:spcBef>
-                <a:spcPts val="0"/>
-              </a:spcBef>
-              <a:buClr>
-                <a:srgbClr val="000000"/>
-              </a:buClr>
-              <a:buSzPct val="100000"/>
-              <a:buFont typeface="Arial"/>
-              <a:buChar char="●"/>
-            </a:pPr>
-            <a:endParaRPr lang="en" sz="2000" dirty="0"/>
-          </a:p>
-          <a:p>
-            <a:pPr marL="457200"/>
-            <a:endParaRPr lang="en" sz="2000" dirty="0"/>
+              <a:rPr lang="en" sz="2400" dirty="0"/>
+              <a:t>YAGNI (You Ain’t Gonna Need </a:t>
+            </a:r>
+            <a:r>
+              <a:rPr lang="en" sz="2400"/>
+              <a:t>It)</a:t>
+            </a:r>
+            <a:endParaRPr lang="en" sz="2400" dirty="0"/>
           </a:p>
         </p:txBody>
       </p:sp>

--- a/Software Design Principles.pptx
+++ b/Software Design Principles.pptx
@@ -21227,6 +21227,30 @@
             <a:noAutofit/>
           </a:bodyPr>
           <a:lstStyle/>
+          <a:p>
+            <a:pPr marL="457200" indent="-419100">
+              <a:buClr>
+                <a:srgbClr val="000000"/>
+              </a:buClr>
+              <a:buFont typeface="Arial"/>
+              <a:buChar char="●"/>
+            </a:pPr>
+            <a:r>
+              <a:rPr lang="en-US" sz="2400" dirty="0" err="1"/>
+              <a:t>OptimusService</a:t>
+            </a:r>
+            <a:endParaRPr lang="en-US" sz="2400" dirty="0"/>
+          </a:p>
+          <a:p>
+            <a:pPr marL="457200" indent="-419100">
+              <a:buClr>
+                <a:srgbClr val="000000"/>
+              </a:buClr>
+              <a:buFont typeface="Arial"/>
+              <a:buChar char="●"/>
+            </a:pPr>
+            <a:endParaRPr lang="en-US" sz="2400" dirty="0"/>
+          </a:p>
           <a:p>
             <a:pPr marL="457200" indent="-419100">
               <a:buClr>

--- a/Software Design Principles.pptx
+++ b/Software Design Principles.pptx
@@ -5,7 +5,7 @@
     <p:sldMasterId id="2147483654" r:id="rId1"/>
   </p:sldMasterIdLst>
   <p:notesMasterIdLst>
-    <p:notesMasterId r:id="rId56"/>
+    <p:notesMasterId r:id="rId57"/>
   </p:notesMasterIdLst>
   <p:sldIdLst>
     <p:sldId id="256" r:id="rId2"/>
@@ -61,7 +61,8 @@
     <p:sldId id="309" r:id="rId52"/>
     <p:sldId id="310" r:id="rId53"/>
     <p:sldId id="311" r:id="rId54"/>
-    <p:sldId id="312" r:id="rId55"/>
+    <p:sldId id="313" r:id="rId55"/>
+    <p:sldId id="312" r:id="rId56"/>
   </p:sldIdLst>
   <p:sldSz cx="9144000" cy="5143500" type="screen16x9"/>
   <p:notesSz cx="6858000" cy="9144000"/>
@@ -6246,6 +6247,122 @@
 </file>
 
 <file path=ppt/notesSlides/notesSlide54.xml><?xml version="1.0" encoding="utf-8"?>
+<p:notes xmlns:a="http://schemas.openxmlformats.org/drawingml/2006/main" xmlns:r="http://schemas.openxmlformats.org/officeDocument/2006/relationships" xmlns:p="http://schemas.openxmlformats.org/presentationml/2006/main" showMasterSp="0" showMasterPhAnim="0">
+  <p:cSld>
+    <p:spTree>
+      <p:nvGrpSpPr>
+        <p:cNvPr id="1" name="Shape 169"/>
+        <p:cNvGrpSpPr/>
+        <p:nvPr/>
+      </p:nvGrpSpPr>
+      <p:grpSpPr>
+        <a:xfrm>
+          <a:off x="0" y="0"/>
+          <a:ext cx="0" cy="0"/>
+          <a:chOff x="0" y="0"/>
+          <a:chExt cx="0" cy="0"/>
+        </a:xfrm>
+      </p:grpSpPr>
+      <p:sp>
+        <p:nvSpPr>
+          <p:cNvPr id="170" name="Shape 170"/>
+          <p:cNvSpPr>
+            <a:spLocks noGrp="1" noRot="1" noChangeAspect="1"/>
+          </p:cNvSpPr>
+          <p:nvPr>
+            <p:ph type="sldImg" idx="2"/>
+          </p:nvPr>
+        </p:nvSpPr>
+        <p:spPr>
+          <a:xfrm>
+            <a:off x="381000" y="685800"/>
+            <a:ext cx="6096000" cy="3429000"/>
+          </a:xfrm>
+          <a:custGeom>
+            <a:avLst/>
+            <a:gdLst/>
+            <a:ahLst/>
+            <a:cxnLst/>
+            <a:rect l="0" t="0" r="0" b="0"/>
+            <a:pathLst>
+              <a:path w="120000" h="120000" extrusionOk="0">
+                <a:moveTo>
+                  <a:pt x="0" y="0"/>
+                </a:moveTo>
+                <a:lnTo>
+                  <a:pt x="120000" y="0"/>
+                </a:lnTo>
+                <a:lnTo>
+                  <a:pt x="120000" y="120000"/>
+                </a:lnTo>
+                <a:lnTo>
+                  <a:pt x="0" y="120000"/>
+                </a:lnTo>
+                <a:close/>
+              </a:path>
+            </a:pathLst>
+          </a:custGeom>
+          <a:noFill/>
+          <a:ln w="9525" cap="flat" cmpd="sng">
+            <a:solidFill>
+              <a:srgbClr val="000000"/>
+            </a:solidFill>
+            <a:prstDash val="solid"/>
+            <a:round/>
+            <a:headEnd type="none" w="med" len="med"/>
+            <a:tailEnd type="none" w="med" len="med"/>
+          </a:ln>
+        </p:spPr>
+      </p:sp>
+      <p:sp>
+        <p:nvSpPr>
+          <p:cNvPr id="171" name="Shape 171"/>
+          <p:cNvSpPr txBox="1">
+            <a:spLocks noGrp="1"/>
+          </p:cNvSpPr>
+          <p:nvPr>
+            <p:ph type="body" idx="1"/>
+          </p:nvPr>
+        </p:nvSpPr>
+        <p:spPr>
+          <a:xfrm>
+            <a:off x="685800" y="4343400"/>
+            <a:ext cx="5486399" cy="4114800"/>
+          </a:xfrm>
+          <a:prstGeom prst="rect">
+            <a:avLst/>
+          </a:prstGeom>
+        </p:spPr>
+        <p:txBody>
+          <a:bodyPr lIns="91425" tIns="91425" rIns="91425" bIns="91425" anchor="t" anchorCtr="0">
+            <a:noAutofit/>
+          </a:bodyPr>
+          <a:lstStyle/>
+          <a:p>
+            <a:pPr>
+              <a:spcBef>
+                <a:spcPts val="0"/>
+              </a:spcBef>
+              <a:buNone/>
+            </a:pPr>
+            <a:endParaRPr/>
+          </a:p>
+        </p:txBody>
+      </p:sp>
+    </p:spTree>
+    <p:extLst>
+      <p:ext uri="{BB962C8B-B14F-4D97-AF65-F5344CB8AC3E}">
+        <p14:creationId xmlns:p14="http://schemas.microsoft.com/office/powerpoint/2010/main" val="1616490478"/>
+      </p:ext>
+    </p:extLst>
+  </p:cSld>
+  <p:clrMapOvr>
+    <a:masterClrMapping/>
+  </p:clrMapOvr>
+</p:notes>
+</file>
+
+<file path=ppt/notesSlides/notesSlide55.xml><?xml version="1.0" encoding="utf-8"?>
 <p:notes xmlns:a="http://schemas.openxmlformats.org/drawingml/2006/main" xmlns:r="http://schemas.openxmlformats.org/officeDocument/2006/relationships" xmlns:p="http://schemas.openxmlformats.org/presentationml/2006/main" showMasterSp="0" showMasterPhAnim="0">
   <p:cSld>
     <p:spTree>
@@ -30011,6 +30128,633 @@
 </file>
 
 <file path=ppt/slides/slide54.xml><?xml version="1.0" encoding="utf-8"?>
+<p:sld xmlns:a="http://schemas.openxmlformats.org/drawingml/2006/main" xmlns:r="http://schemas.openxmlformats.org/officeDocument/2006/relationships" xmlns:p="http://schemas.openxmlformats.org/presentationml/2006/main">
+  <p:cSld>
+    <p:spTree>
+      <p:nvGrpSpPr>
+        <p:cNvPr id="1" name="Shape 166"/>
+        <p:cNvGrpSpPr/>
+        <p:nvPr/>
+      </p:nvGrpSpPr>
+      <p:grpSpPr>
+        <a:xfrm>
+          <a:off x="0" y="0"/>
+          <a:ext cx="0" cy="0"/>
+          <a:chOff x="0" y="0"/>
+          <a:chExt cx="0" cy="0"/>
+        </a:xfrm>
+      </p:grpSpPr>
+      <p:sp>
+        <p:nvSpPr>
+          <p:cNvPr id="167" name="Shape 167"/>
+          <p:cNvSpPr txBox="1">
+            <a:spLocks noGrp="1"/>
+          </p:cNvSpPr>
+          <p:nvPr>
+            <p:ph type="title"/>
+          </p:nvPr>
+        </p:nvSpPr>
+        <p:spPr>
+          <a:xfrm>
+            <a:off x="487200" y="133350"/>
+            <a:ext cx="8229600" cy="632367"/>
+          </a:xfrm>
+          <a:prstGeom prst="rect">
+            <a:avLst/>
+          </a:prstGeom>
+        </p:spPr>
+        <p:txBody>
+          <a:bodyPr lIns="91425" tIns="91425" rIns="91425" bIns="91425" anchor="b" anchorCtr="0">
+            <a:noAutofit/>
+          </a:bodyPr>
+          <a:lstStyle/>
+          <a:p>
+            <a:pPr lvl="0" rtl="0">
+              <a:spcBef>
+                <a:spcPts val="0"/>
+              </a:spcBef>
+              <a:buNone/>
+            </a:pPr>
+            <a:r>
+              <a:rPr lang="en-US" dirty="0"/>
+              <a:t>Quiz</a:t>
+            </a:r>
+            <a:endParaRPr lang="en" dirty="0"/>
+          </a:p>
+        </p:txBody>
+      </p:sp>
+      <p:sp>
+        <p:nvSpPr>
+          <p:cNvPr id="168" name="Shape 168"/>
+          <p:cNvSpPr txBox="1">
+            <a:spLocks noGrp="1"/>
+          </p:cNvSpPr>
+          <p:nvPr>
+            <p:ph type="body" idx="1"/>
+          </p:nvPr>
+        </p:nvSpPr>
+        <p:spPr>
+          <a:xfrm>
+            <a:off x="457200" y="765717"/>
+            <a:ext cx="8229600" cy="4160133"/>
+          </a:xfrm>
+          <a:prstGeom prst="rect">
+            <a:avLst/>
+          </a:prstGeom>
+        </p:spPr>
+        <p:txBody>
+          <a:bodyPr lIns="91425" tIns="91425" rIns="91425" bIns="91425" anchor="t" anchorCtr="0">
+            <a:noAutofit/>
+          </a:bodyPr>
+          <a:lstStyle/>
+          <a:p>
+            <a:pPr marL="457200" lvl="0" indent="-419100">
+              <a:buClr>
+                <a:srgbClr val="000000"/>
+              </a:buClr>
+              <a:buFont typeface="Arial"/>
+              <a:buChar char="●"/>
+            </a:pPr>
+            <a:r>
+              <a:rPr lang="en-US" sz="2400" dirty="0"/>
+              <a:t>Easy way to spot SRP violation in a method?</a:t>
+            </a:r>
+          </a:p>
+          <a:p>
+            <a:pPr marL="457200" lvl="0" indent="-419100">
+              <a:buClr>
+                <a:srgbClr val="000000"/>
+              </a:buClr>
+              <a:buFont typeface="Arial"/>
+              <a:buChar char="●"/>
+            </a:pPr>
+            <a:endParaRPr lang="en-US" sz="2400" dirty="0"/>
+          </a:p>
+          <a:p>
+            <a:pPr marL="457200" lvl="0" indent="-419100">
+              <a:buClr>
+                <a:srgbClr val="000000"/>
+              </a:buClr>
+              <a:buFont typeface="Arial"/>
+              <a:buChar char="●"/>
+            </a:pPr>
+            <a:r>
+              <a:rPr lang="en-US" sz="2400" dirty="0"/>
+              <a:t>Law of Demeter is also known as?</a:t>
+            </a:r>
+          </a:p>
+          <a:p>
+            <a:pPr marL="457200" lvl="0" indent="-419100">
+              <a:buClr>
+                <a:srgbClr val="000000"/>
+              </a:buClr>
+              <a:buFont typeface="Arial"/>
+              <a:buChar char="●"/>
+            </a:pPr>
+            <a:endParaRPr lang="en-US" sz="2400" dirty="0"/>
+          </a:p>
+          <a:p>
+            <a:pPr marL="457200" lvl="0" indent="-419100">
+              <a:buClr>
+                <a:srgbClr val="000000"/>
+              </a:buClr>
+              <a:buFont typeface="Arial"/>
+              <a:buChar char="●"/>
+            </a:pPr>
+            <a:r>
+              <a:rPr lang="en-US" sz="2400" dirty="0"/>
+              <a:t>Why OCP is a Lie?</a:t>
+            </a:r>
+          </a:p>
+          <a:p>
+            <a:pPr marL="457200" lvl="0" indent="-419100">
+              <a:buClr>
+                <a:srgbClr val="000000"/>
+              </a:buClr>
+              <a:buFont typeface="Arial"/>
+              <a:buChar char="●"/>
+            </a:pPr>
+            <a:endParaRPr lang="en-US" sz="2400" dirty="0"/>
+          </a:p>
+          <a:p>
+            <a:pPr marL="457200" lvl="0" indent="-419100">
+              <a:buClr>
+                <a:srgbClr val="000000"/>
+              </a:buClr>
+              <a:buFont typeface="Arial"/>
+              <a:buChar char="●"/>
+            </a:pPr>
+            <a:r>
+              <a:rPr lang="en-US" sz="2400" dirty="0"/>
+              <a:t>What is alternate definition of ISP?</a:t>
+            </a:r>
+          </a:p>
+          <a:p>
+            <a:pPr marL="457200" lvl="0" indent="-419100">
+              <a:buClr>
+                <a:srgbClr val="000000"/>
+              </a:buClr>
+              <a:buFont typeface="Arial"/>
+              <a:buChar char="●"/>
+            </a:pPr>
+            <a:endParaRPr lang="en-US" sz="2400" dirty="0"/>
+          </a:p>
+          <a:p>
+            <a:pPr marL="457200" lvl="0" indent="-419100">
+              <a:buClr>
+                <a:srgbClr val="000000"/>
+              </a:buClr>
+              <a:buFont typeface="Arial"/>
+              <a:buChar char="●"/>
+            </a:pPr>
+            <a:r>
+              <a:rPr lang="en-US" sz="2400" dirty="0"/>
+              <a:t>2 </a:t>
+            </a:r>
+            <a:r>
+              <a:rPr lang="en-US" sz="2400"/>
+              <a:t>full forms of WET?</a:t>
+            </a:r>
+            <a:endParaRPr lang="en-US" sz="2400" dirty="0"/>
+          </a:p>
+          <a:p>
+            <a:pPr marL="457200" lvl="0" indent="-419100">
+              <a:buClr>
+                <a:srgbClr val="000000"/>
+              </a:buClr>
+              <a:buFont typeface="Arial"/>
+              <a:buChar char="●"/>
+            </a:pPr>
+            <a:endParaRPr lang="en-US" sz="2400" dirty="0"/>
+          </a:p>
+          <a:p>
+            <a:pPr marL="457200" lvl="0" indent="-419100">
+              <a:buClr>
+                <a:srgbClr val="000000"/>
+              </a:buClr>
+              <a:buFont typeface="Arial"/>
+              <a:buChar char="●"/>
+            </a:pPr>
+            <a:r>
+              <a:rPr lang="en-US" sz="2400" dirty="0"/>
+              <a:t>SOLID full form?</a:t>
+            </a:r>
+          </a:p>
+        </p:txBody>
+      </p:sp>
+    </p:spTree>
+    <p:extLst>
+      <p:ext uri="{BB962C8B-B14F-4D97-AF65-F5344CB8AC3E}">
+        <p14:creationId xmlns:p14="http://schemas.microsoft.com/office/powerpoint/2010/main" val="17702805"/>
+      </p:ext>
+    </p:extLst>
+  </p:cSld>
+  <p:clrMapOvr>
+    <a:masterClrMapping/>
+  </p:clrMapOvr>
+  <p:transition spd="slow">
+    <p:cut/>
+  </p:transition>
+  <p:timing>
+    <p:tnLst>
+      <p:par>
+        <p:cTn id="1" dur="indefinite" restart="never" nodeType="tmRoot">
+          <p:childTnLst>
+            <p:seq concurrent="1" nextAc="seek">
+              <p:cTn id="2" dur="indefinite" nodeType="mainSeq">
+                <p:childTnLst>
+                  <p:par>
+                    <p:cTn id="3" fill="hold">
+                      <p:stCondLst>
+                        <p:cond delay="indefinite"/>
+                      </p:stCondLst>
+                      <p:childTnLst>
+                        <p:par>
+                          <p:cTn id="4" fill="hold">
+                            <p:stCondLst>
+                              <p:cond delay="0"/>
+                            </p:stCondLst>
+                            <p:childTnLst>
+                              <p:par>
+                                <p:cTn id="5" presetID="10" presetClass="entr" presetSubtype="0" fill="hold" nodeType="clickEffect">
+                                  <p:stCondLst>
+                                    <p:cond delay="0"/>
+                                  </p:stCondLst>
+                                  <p:childTnLst>
+                                    <p:set>
+                                      <p:cBhvr>
+                                        <p:cTn id="6" dur="1" fill="hold">
+                                          <p:stCondLst>
+                                            <p:cond delay="0"/>
+                                          </p:stCondLst>
+                                        </p:cTn>
+                                        <p:tgtEl>
+                                          <p:spTgt spid="168">
+                                            <p:txEl>
+                                              <p:pRg st="0" end="0"/>
+                                            </p:txEl>
+                                          </p:spTgt>
+                                        </p:tgtEl>
+                                        <p:attrNameLst>
+                                          <p:attrName>style.visibility</p:attrName>
+                                        </p:attrNameLst>
+                                      </p:cBhvr>
+                                      <p:to>
+                                        <p:strVal val="visible"/>
+                                      </p:to>
+                                    </p:set>
+                                    <p:animEffect transition="in" filter="fade">
+                                      <p:cBhvr>
+                                        <p:cTn id="7" dur="500"/>
+                                        <p:tgtEl>
+                                          <p:spTgt spid="168">
+                                            <p:txEl>
+                                              <p:pRg st="0" end="0"/>
+                                            </p:txEl>
+                                          </p:spTgt>
+                                        </p:tgtEl>
+                                      </p:cBhvr>
+                                    </p:animEffect>
+                                  </p:childTnLst>
+                                </p:cTn>
+                              </p:par>
+                            </p:childTnLst>
+                          </p:cTn>
+                        </p:par>
+                      </p:childTnLst>
+                    </p:cTn>
+                  </p:par>
+                  <p:par>
+                    <p:cTn id="8" fill="hold">
+                      <p:stCondLst>
+                        <p:cond delay="indefinite"/>
+                      </p:stCondLst>
+                      <p:childTnLst>
+                        <p:par>
+                          <p:cTn id="9" fill="hold">
+                            <p:stCondLst>
+                              <p:cond delay="0"/>
+                            </p:stCondLst>
+                            <p:childTnLst>
+                              <p:par>
+                                <p:cTn id="10" presetID="10" presetClass="entr" presetSubtype="0" fill="hold" nodeType="clickEffect">
+                                  <p:stCondLst>
+                                    <p:cond delay="0"/>
+                                  </p:stCondLst>
+                                  <p:childTnLst>
+                                    <p:set>
+                                      <p:cBhvr>
+                                        <p:cTn id="11" dur="1" fill="hold">
+                                          <p:stCondLst>
+                                            <p:cond delay="0"/>
+                                          </p:stCondLst>
+                                        </p:cTn>
+                                        <p:tgtEl>
+                                          <p:spTgt spid="168">
+                                            <p:txEl>
+                                              <p:pRg st="2" end="2"/>
+                                            </p:txEl>
+                                          </p:spTgt>
+                                        </p:tgtEl>
+                                        <p:attrNameLst>
+                                          <p:attrName>style.visibility</p:attrName>
+                                        </p:attrNameLst>
+                                      </p:cBhvr>
+                                      <p:to>
+                                        <p:strVal val="visible"/>
+                                      </p:to>
+                                    </p:set>
+                                    <p:animEffect transition="in" filter="fade">
+                                      <p:cBhvr>
+                                        <p:cTn id="12" dur="500"/>
+                                        <p:tgtEl>
+                                          <p:spTgt spid="168">
+                                            <p:txEl>
+                                              <p:pRg st="2" end="2"/>
+                                            </p:txEl>
+                                          </p:spTgt>
+                                        </p:tgtEl>
+                                      </p:cBhvr>
+                                    </p:animEffect>
+                                  </p:childTnLst>
+                                </p:cTn>
+                              </p:par>
+                            </p:childTnLst>
+                          </p:cTn>
+                        </p:par>
+                      </p:childTnLst>
+                    </p:cTn>
+                  </p:par>
+                  <p:par>
+                    <p:cTn id="13" fill="hold">
+                      <p:stCondLst>
+                        <p:cond delay="indefinite"/>
+                      </p:stCondLst>
+                      <p:childTnLst>
+                        <p:par>
+                          <p:cTn id="14" fill="hold">
+                            <p:stCondLst>
+                              <p:cond delay="0"/>
+                            </p:stCondLst>
+                            <p:childTnLst>
+                              <p:par>
+                                <p:cTn id="15" presetID="10" presetClass="entr" presetSubtype="0" fill="hold" nodeType="clickEffect">
+                                  <p:stCondLst>
+                                    <p:cond delay="0"/>
+                                  </p:stCondLst>
+                                  <p:childTnLst>
+                                    <p:set>
+                                      <p:cBhvr>
+                                        <p:cTn id="16" dur="1" fill="hold">
+                                          <p:stCondLst>
+                                            <p:cond delay="0"/>
+                                          </p:stCondLst>
+                                        </p:cTn>
+                                        <p:tgtEl>
+                                          <p:spTgt spid="168">
+                                            <p:txEl>
+                                              <p:pRg st="4" end="4"/>
+                                            </p:txEl>
+                                          </p:spTgt>
+                                        </p:tgtEl>
+                                        <p:attrNameLst>
+                                          <p:attrName>style.visibility</p:attrName>
+                                        </p:attrNameLst>
+                                      </p:cBhvr>
+                                      <p:to>
+                                        <p:strVal val="visible"/>
+                                      </p:to>
+                                    </p:set>
+                                    <p:animEffect transition="in" filter="fade">
+                                      <p:cBhvr>
+                                        <p:cTn id="17" dur="500"/>
+                                        <p:tgtEl>
+                                          <p:spTgt spid="168">
+                                            <p:txEl>
+                                              <p:pRg st="4" end="4"/>
+                                            </p:txEl>
+                                          </p:spTgt>
+                                        </p:tgtEl>
+                                      </p:cBhvr>
+                                    </p:animEffect>
+                                  </p:childTnLst>
+                                </p:cTn>
+                              </p:par>
+                            </p:childTnLst>
+                          </p:cTn>
+                        </p:par>
+                      </p:childTnLst>
+                    </p:cTn>
+                  </p:par>
+                  <p:par>
+                    <p:cTn id="18" fill="hold">
+                      <p:stCondLst>
+                        <p:cond delay="indefinite"/>
+                      </p:stCondLst>
+                      <p:childTnLst>
+                        <p:par>
+                          <p:cTn id="19" fill="hold">
+                            <p:stCondLst>
+                              <p:cond delay="0"/>
+                            </p:stCondLst>
+                            <p:childTnLst>
+                              <p:par>
+                                <p:cTn id="20" presetID="10" presetClass="entr" presetSubtype="0" fill="hold" nodeType="clickEffect">
+                                  <p:stCondLst>
+                                    <p:cond delay="0"/>
+                                  </p:stCondLst>
+                                  <p:childTnLst>
+                                    <p:set>
+                                      <p:cBhvr>
+                                        <p:cTn id="21" dur="1" fill="hold">
+                                          <p:stCondLst>
+                                            <p:cond delay="0"/>
+                                          </p:stCondLst>
+                                        </p:cTn>
+                                        <p:tgtEl>
+                                          <p:spTgt spid="168">
+                                            <p:txEl>
+                                              <p:pRg st="6" end="6"/>
+                                            </p:txEl>
+                                          </p:spTgt>
+                                        </p:tgtEl>
+                                        <p:attrNameLst>
+                                          <p:attrName>style.visibility</p:attrName>
+                                        </p:attrNameLst>
+                                      </p:cBhvr>
+                                      <p:to>
+                                        <p:strVal val="visible"/>
+                                      </p:to>
+                                    </p:set>
+                                    <p:animEffect transition="in" filter="fade">
+                                      <p:cBhvr>
+                                        <p:cTn id="22" dur="500"/>
+                                        <p:tgtEl>
+                                          <p:spTgt spid="168">
+                                            <p:txEl>
+                                              <p:pRg st="6" end="6"/>
+                                            </p:txEl>
+                                          </p:spTgt>
+                                        </p:tgtEl>
+                                      </p:cBhvr>
+                                    </p:animEffect>
+                                  </p:childTnLst>
+                                </p:cTn>
+                              </p:par>
+                            </p:childTnLst>
+                          </p:cTn>
+                        </p:par>
+                      </p:childTnLst>
+                    </p:cTn>
+                  </p:par>
+                  <p:par>
+                    <p:cTn id="23" fill="hold">
+                      <p:stCondLst>
+                        <p:cond delay="indefinite"/>
+                      </p:stCondLst>
+                      <p:childTnLst>
+                        <p:par>
+                          <p:cTn id="24" fill="hold">
+                            <p:stCondLst>
+                              <p:cond delay="0"/>
+                            </p:stCondLst>
+                            <p:childTnLst>
+                              <p:par>
+                                <p:cTn id="25" presetID="10" presetClass="entr" presetSubtype="0" fill="hold" nodeType="clickEffect">
+                                  <p:stCondLst>
+                                    <p:cond delay="0"/>
+                                  </p:stCondLst>
+                                  <p:childTnLst>
+                                    <p:set>
+                                      <p:cBhvr>
+                                        <p:cTn id="26" dur="1" fill="hold">
+                                          <p:stCondLst>
+                                            <p:cond delay="0"/>
+                                          </p:stCondLst>
+                                        </p:cTn>
+                                        <p:tgtEl>
+                                          <p:spTgt spid="168">
+                                            <p:txEl>
+                                              <p:pRg st="8" end="8"/>
+                                            </p:txEl>
+                                          </p:spTgt>
+                                        </p:tgtEl>
+                                        <p:attrNameLst>
+                                          <p:attrName>style.visibility</p:attrName>
+                                        </p:attrNameLst>
+                                      </p:cBhvr>
+                                      <p:to>
+                                        <p:strVal val="visible"/>
+                                      </p:to>
+                                    </p:set>
+                                    <p:animEffect transition="in" filter="fade">
+                                      <p:cBhvr>
+                                        <p:cTn id="27" dur="500"/>
+                                        <p:tgtEl>
+                                          <p:spTgt spid="168">
+                                            <p:txEl>
+                                              <p:pRg st="8" end="8"/>
+                                            </p:txEl>
+                                          </p:spTgt>
+                                        </p:tgtEl>
+                                      </p:cBhvr>
+                                    </p:animEffect>
+                                  </p:childTnLst>
+                                </p:cTn>
+                              </p:par>
+                            </p:childTnLst>
+                          </p:cTn>
+                        </p:par>
+                      </p:childTnLst>
+                    </p:cTn>
+                  </p:par>
+                  <p:par>
+                    <p:cTn id="28" fill="hold">
+                      <p:stCondLst>
+                        <p:cond delay="indefinite"/>
+                      </p:stCondLst>
+                      <p:childTnLst>
+                        <p:par>
+                          <p:cTn id="29" fill="hold">
+                            <p:stCondLst>
+                              <p:cond delay="0"/>
+                            </p:stCondLst>
+                            <p:childTnLst>
+                              <p:par>
+                                <p:cTn id="30" presetID="10" presetClass="entr" presetSubtype="0" fill="hold" nodeType="clickEffect">
+                                  <p:stCondLst>
+                                    <p:cond delay="0"/>
+                                  </p:stCondLst>
+                                  <p:childTnLst>
+                                    <p:set>
+                                      <p:cBhvr>
+                                        <p:cTn id="31" dur="1" fill="hold">
+                                          <p:stCondLst>
+                                            <p:cond delay="0"/>
+                                          </p:stCondLst>
+                                        </p:cTn>
+                                        <p:tgtEl>
+                                          <p:spTgt spid="168">
+                                            <p:txEl>
+                                              <p:pRg st="10" end="10"/>
+                                            </p:txEl>
+                                          </p:spTgt>
+                                        </p:tgtEl>
+                                        <p:attrNameLst>
+                                          <p:attrName>style.visibility</p:attrName>
+                                        </p:attrNameLst>
+                                      </p:cBhvr>
+                                      <p:to>
+                                        <p:strVal val="visible"/>
+                                      </p:to>
+                                    </p:set>
+                                    <p:animEffect transition="in" filter="fade">
+                                      <p:cBhvr>
+                                        <p:cTn id="32" dur="500"/>
+                                        <p:tgtEl>
+                                          <p:spTgt spid="168">
+                                            <p:txEl>
+                                              <p:pRg st="10" end="10"/>
+                                            </p:txEl>
+                                          </p:spTgt>
+                                        </p:tgtEl>
+                                      </p:cBhvr>
+                                    </p:animEffect>
+                                  </p:childTnLst>
+                                </p:cTn>
+                              </p:par>
+                            </p:childTnLst>
+                          </p:cTn>
+                        </p:par>
+                      </p:childTnLst>
+                    </p:cTn>
+                  </p:par>
+                </p:childTnLst>
+              </p:cTn>
+              <p:prevCondLst>
+                <p:cond evt="onPrev" delay="0">
+                  <p:tgtEl>
+                    <p:sldTgt/>
+                  </p:tgtEl>
+                </p:cond>
+              </p:prevCondLst>
+              <p:nextCondLst>
+                <p:cond evt="onNext" delay="0">
+                  <p:tgtEl>
+                    <p:sldTgt/>
+                  </p:tgtEl>
+                </p:cond>
+              </p:nextCondLst>
+            </p:seq>
+          </p:childTnLst>
+        </p:cTn>
+      </p:par>
+    </p:tnLst>
+  </p:timing>
+</p:sld>
+</file>
+
+<file path=ppt/slides/slide55.xml><?xml version="1.0" encoding="utf-8"?>
 <p:sld xmlns:a="http://schemas.openxmlformats.org/drawingml/2006/main" xmlns:r="http://schemas.openxmlformats.org/officeDocument/2006/relationships" xmlns:p="http://schemas.openxmlformats.org/presentationml/2006/main">
   <p:cSld>
     <p:spTree>

--- a/Software Design Principles.pptx
+++ b/Software Design Principles.pptx
@@ -23582,7 +23582,7 @@
             </a:pPr>
             <a:r>
               <a:rPr lang="en-US" sz="1800" dirty="0"/>
-              <a:t>Dependency of “B” upon Interface points to in the opposite direction of runtime dependency of “A” upon “B”.</a:t>
+              <a:t>Dependency of “B” upon Interface points in the opposite direction of runtime dependency of “A” upon “B”.</a:t>
             </a:r>
           </a:p>
           <a:p>
@@ -24230,7 +24230,7 @@
         <p:spPr>
           <a:xfrm>
             <a:off x="462001" y="707925"/>
-            <a:ext cx="8567164" cy="907574"/>
+            <a:ext cx="8567164" cy="765731"/>
           </a:xfrm>
           <a:prstGeom prst="rect">
             <a:avLst/>
@@ -24266,16 +24266,6 @@
               <a:rPr lang="en-US" sz="1800" dirty="0"/>
               <a:t>All the dependencies should point in the same direction across the boundary.</a:t>
             </a:r>
-          </a:p>
-          <a:p>
-            <a:pPr marL="457200" indent="-419100">
-              <a:buClr>
-                <a:srgbClr val="000000"/>
-              </a:buClr>
-              <a:buFont typeface="Arial"/>
-              <a:buChar char="●"/>
-            </a:pPr>
-            <a:endParaRPr lang="en-US" sz="1800" dirty="0"/>
           </a:p>
           <a:p>
             <a:pPr marL="457200" indent="-419100">
@@ -24404,9 +24394,6 @@
                     <p:cTn id="3" fill="hold">
                       <p:stCondLst>
                         <p:cond delay="indefinite"/>
-                        <p:cond evt="onBegin" delay="0">
-                          <p:tn val="2"/>
-                        </p:cond>
                       </p:stCondLst>
                       <p:childTnLst>
                         <p:par>
@@ -24416,7 +24403,7 @@
                             </p:stCondLst>
                             <p:childTnLst>
                               <p:par>
-                                <p:cTn id="5" presetID="10" presetClass="entr" presetSubtype="0" fill="hold" nodeType="withEffect">
+                                <p:cTn id="5" presetID="10" presetClass="entr" presetSubtype="0" fill="hold" nodeType="clickEffect">
                                   <p:stCondLst>
                                     <p:cond delay="0"/>
                                   </p:stCondLst>
@@ -24429,7 +24416,11 @@
                                           </p:stCondLst>
                                         </p:cTn>
                                         <p:tgtEl>
-                                          <p:spTgt spid="6"/>
+                                          <p:spTgt spid="43">
+                                            <p:txEl>
+                                              <p:pRg st="0" end="0"/>
+                                            </p:txEl>
+                                          </p:spTgt>
                                         </p:tgtEl>
                                         <p:attrNameLst>
                                           <p:attrName>style.visibility</p:attrName>
@@ -24442,6 +24433,194 @@
                                     <p:animEffect transition="in" filter="fade">
                                       <p:cBhvr>
                                         <p:cTn id="7" dur="500"/>
+                                        <p:tgtEl>
+                                          <p:spTgt spid="43">
+                                            <p:txEl>
+                                              <p:pRg st="0" end="0"/>
+                                            </p:txEl>
+                                          </p:spTgt>
+                                        </p:tgtEl>
+                                      </p:cBhvr>
+                                    </p:animEffect>
+                                  </p:childTnLst>
+                                </p:cTn>
+                              </p:par>
+                              <p:par>
+                                <p:cTn id="8" presetID="10" presetClass="entr" presetSubtype="0" fill="hold" nodeType="withEffect">
+                                  <p:stCondLst>
+                                    <p:cond delay="0"/>
+                                  </p:stCondLst>
+                                  <p:childTnLst>
+                                    <p:set>
+                                      <p:cBhvr>
+                                        <p:cTn id="9" dur="1" fill="hold">
+                                          <p:stCondLst>
+                                            <p:cond delay="0"/>
+                                          </p:stCondLst>
+                                        </p:cTn>
+                                        <p:tgtEl>
+                                          <p:spTgt spid="43">
+                                            <p:txEl>
+                                              <p:pRg st="1" end="1"/>
+                                            </p:txEl>
+                                          </p:spTgt>
+                                        </p:tgtEl>
+                                        <p:attrNameLst>
+                                          <p:attrName>style.visibility</p:attrName>
+                                        </p:attrNameLst>
+                                      </p:cBhvr>
+                                      <p:to>
+                                        <p:strVal val="visible"/>
+                                      </p:to>
+                                    </p:set>
+                                    <p:animEffect transition="in" filter="fade">
+                                      <p:cBhvr>
+                                        <p:cTn id="10" dur="500"/>
+                                        <p:tgtEl>
+                                          <p:spTgt spid="43">
+                                            <p:txEl>
+                                              <p:pRg st="1" end="1"/>
+                                            </p:txEl>
+                                          </p:spTgt>
+                                        </p:tgtEl>
+                                      </p:cBhvr>
+                                    </p:animEffect>
+                                  </p:childTnLst>
+                                </p:cTn>
+                              </p:par>
+                            </p:childTnLst>
+                          </p:cTn>
+                        </p:par>
+                      </p:childTnLst>
+                    </p:cTn>
+                  </p:par>
+                  <p:par>
+                    <p:cTn id="11" fill="hold">
+                      <p:stCondLst>
+                        <p:cond delay="indefinite"/>
+                      </p:stCondLst>
+                      <p:childTnLst>
+                        <p:par>
+                          <p:cTn id="12" fill="hold">
+                            <p:stCondLst>
+                              <p:cond delay="0"/>
+                            </p:stCondLst>
+                            <p:childTnLst>
+                              <p:par>
+                                <p:cTn id="13" presetID="10" presetClass="entr" presetSubtype="0" fill="hold" nodeType="clickEffect">
+                                  <p:stCondLst>
+                                    <p:cond delay="0"/>
+                                  </p:stCondLst>
+                                  <p:childTnLst>
+                                    <p:set>
+                                      <p:cBhvr>
+                                        <p:cTn id="14" dur="1" fill="hold">
+                                          <p:stCondLst>
+                                            <p:cond delay="0"/>
+                                          </p:stCondLst>
+                                        </p:cTn>
+                                        <p:tgtEl>
+                                          <p:spTgt spid="4"/>
+                                        </p:tgtEl>
+                                        <p:attrNameLst>
+                                          <p:attrName>style.visibility</p:attrName>
+                                        </p:attrNameLst>
+                                      </p:cBhvr>
+                                      <p:to>
+                                        <p:strVal val="visible"/>
+                                      </p:to>
+                                    </p:set>
+                                    <p:animEffect transition="in" filter="fade">
+                                      <p:cBhvr>
+                                        <p:cTn id="15" dur="500"/>
+                                        <p:tgtEl>
+                                          <p:spTgt spid="4"/>
+                                        </p:tgtEl>
+                                      </p:cBhvr>
+                                    </p:animEffect>
+                                  </p:childTnLst>
+                                </p:cTn>
+                              </p:par>
+                              <p:par>
+                                <p:cTn id="16" presetID="10" presetClass="entr" presetSubtype="0" fill="hold" nodeType="withEffect">
+                                  <p:stCondLst>
+                                    <p:cond delay="0"/>
+                                  </p:stCondLst>
+                                  <p:childTnLst>
+                                    <p:set>
+                                      <p:cBhvr>
+                                        <p:cTn id="17" dur="1" fill="hold">
+                                          <p:stCondLst>
+                                            <p:cond delay="0"/>
+                                          </p:stCondLst>
+                                        </p:cTn>
+                                        <p:tgtEl>
+                                          <p:spTgt spid="5"/>
+                                        </p:tgtEl>
+                                        <p:attrNameLst>
+                                          <p:attrName>style.visibility</p:attrName>
+                                        </p:attrNameLst>
+                                      </p:cBhvr>
+                                      <p:to>
+                                        <p:strVal val="visible"/>
+                                      </p:to>
+                                    </p:set>
+                                    <p:animEffect transition="in" filter="fade">
+                                      <p:cBhvr>
+                                        <p:cTn id="18" dur="500"/>
+                                        <p:tgtEl>
+                                          <p:spTgt spid="5"/>
+                                        </p:tgtEl>
+                                      </p:cBhvr>
+                                    </p:animEffect>
+                                  </p:childTnLst>
+                                </p:cTn>
+                              </p:par>
+                            </p:childTnLst>
+                          </p:cTn>
+                        </p:par>
+                      </p:childTnLst>
+                    </p:cTn>
+                  </p:par>
+                  <p:par>
+                    <p:cTn id="19" fill="hold">
+                      <p:stCondLst>
+                        <p:cond delay="indefinite"/>
+                      </p:stCondLst>
+                      <p:childTnLst>
+                        <p:par>
+                          <p:cTn id="20" fill="hold">
+                            <p:stCondLst>
+                              <p:cond delay="0"/>
+                            </p:stCondLst>
+                            <p:childTnLst>
+                              <p:par>
+                                <p:cTn id="21" presetID="10" presetClass="entr" presetSubtype="0" fill="hold" nodeType="clickEffect">
+                                  <p:stCondLst>
+                                    <p:cond delay="0"/>
+                                  </p:stCondLst>
+                                  <p:childTnLst>
+                                    <p:set>
+                                      <p:cBhvr>
+                                        <p:cTn id="22" dur="1" fill="hold">
+                                          <p:stCondLst>
+                                            <p:cond delay="0"/>
+                                          </p:stCondLst>
+                                        </p:cTn>
+                                        <p:tgtEl>
+                                          <p:spTgt spid="6"/>
+                                        </p:tgtEl>
+                                        <p:attrNameLst>
+                                          <p:attrName>style.visibility</p:attrName>
+                                        </p:attrNameLst>
+                                      </p:cBhvr>
+                                      <p:to>
+                                        <p:strVal val="visible"/>
+                                      </p:to>
+                                    </p:set>
+                                    <p:animEffect transition="in" filter="fade">
+                                      <p:cBhvr>
+                                        <p:cTn id="23" dur="500"/>
                                         <p:tgtEl>
                                           <p:spTgt spid="6"/>
                                         </p:tgtEl>
@@ -26870,9 +27049,10 @@
               <a:buNone/>
             </a:pPr>
             <a:r>
-              <a:rPr lang="en" dirty="0"/>
-              <a:t>Same level of abstraction</a:t>
-            </a:r>
+              <a:rPr lang="en-US" dirty="0"/>
+              <a:t>SRP for Methods</a:t>
+            </a:r>
+            <a:endParaRPr lang="en" dirty="0"/>
           </a:p>
         </p:txBody>
       </p:sp>

--- a/Software Design Principles.pptx
+++ b/Software Design Principles.pptx
@@ -11645,8 +11645,8 @@
         </p:blipFill>
         <p:spPr>
           <a:xfrm>
-            <a:off x="123001" y="704609"/>
-            <a:ext cx="5545084" cy="4297440"/>
+            <a:off x="81985" y="653054"/>
+            <a:ext cx="5727601" cy="4438891"/>
           </a:xfrm>
           <a:prstGeom prst="rect">
             <a:avLst/>
@@ -26620,7 +26620,7 @@
             </a:pPr>
             <a:r>
               <a:rPr lang="en" sz="2400" dirty="0"/>
-              <a:t>Let us say you walk into a store and grap few items of the shelf.</a:t>
+              <a:t>Let us say you walk into a store and grap few items off the shelf.</a:t>
             </a:r>
           </a:p>
           <a:p>

--- a/Software Design Principles.pptx
+++ b/Software Design Principles.pptx
@@ -27322,7 +27322,15 @@
             </a:r>
             <a:r>
               <a:rPr lang="en-US" sz="1800" dirty="0"/>
-              <a:t>()</a:t>
+              <a:t>(), </a:t>
+            </a:r>
+            <a:r>
+              <a:rPr lang="en-US" sz="1800" dirty="0" err="1"/>
+              <a:t>TransactionExecutor</a:t>
+            </a:r>
+            <a:r>
+              <a:rPr lang="en-US" sz="1800" dirty="0"/>
+              <a:t>(formatting ids)</a:t>
             </a:r>
           </a:p>
           <a:p>
@@ -29946,12 +29954,30 @@
             </a:pPr>
             <a:r>
               <a:rPr lang="en-US" sz="2000" dirty="0"/>
-              <a:t>Story of </a:t>
-            </a:r>
-            <a:r>
-              <a:rPr lang="en-US" sz="2000" dirty="0" err="1"/>
-              <a:t>Gapfiller</a:t>
-            </a:r>
+              <a:t>Evaluate the technology and see what problems it solves for you.</a:t>
+            </a:r>
+          </a:p>
+          <a:p>
+            <a:pPr marL="457200" indent="-419100">
+              <a:buClr>
+                <a:srgbClr val="000000"/>
+              </a:buClr>
+              <a:buFont typeface="Arial"/>
+              <a:buChar char="●"/>
+            </a:pPr>
+            <a:r>
+              <a:rPr lang="en-US" sz="2000" dirty="0"/>
+              <a:t>Is it worth adding that complexity?</a:t>
+            </a:r>
+          </a:p>
+          <a:p>
+            <a:pPr marL="457200" indent="-419100">
+              <a:buClr>
+                <a:srgbClr val="000000"/>
+              </a:buClr>
+              <a:buFont typeface="Arial"/>
+              <a:buChar char="●"/>
+            </a:pPr>
             <a:endParaRPr lang="en-US" sz="2000" dirty="0"/>
           </a:p>
         </p:txBody>
@@ -30268,6 +30294,67 @@
                                           <p:spTgt spid="43">
                                             <p:txEl>
                                               <p:pRg st="6" end="6"/>
+                                            </p:txEl>
+                                          </p:spTgt>
+                                        </p:tgtEl>
+                                      </p:cBhvr>
+                                    </p:animEffect>
+                                  </p:childTnLst>
+                                </p:cTn>
+                              </p:par>
+                            </p:childTnLst>
+                          </p:cTn>
+                        </p:par>
+                      </p:childTnLst>
+                    </p:cTn>
+                  </p:par>
+                  <p:par>
+                    <p:cTn id="28" fill="hold">
+                      <p:stCondLst>
+                        <p:cond delay="indefinite"/>
+                      </p:stCondLst>
+                      <p:childTnLst>
+                        <p:par>
+                          <p:cTn id="29" fill="hold">
+                            <p:stCondLst>
+                              <p:cond delay="0"/>
+                            </p:stCondLst>
+                            <p:childTnLst>
+                              <p:par>
+                                <p:cTn id="30" presetID="10" presetClass="entr" presetSubtype="0" fill="hold" nodeType="clickEffect">
+                                  <p:stCondLst>
+                                    <p:cond delay="0"/>
+                                  </p:stCondLst>
+                                  <p:childTnLst>
+                                    <p:set>
+                                      <p:cBhvr>
+                                        <p:cTn id="31" dur="1" fill="hold">
+                                          <p:stCondLst>
+                                            <p:cond delay="0"/>
+                                          </p:stCondLst>
+                                        </p:cTn>
+                                        <p:tgtEl>
+                                          <p:spTgt spid="43">
+                                            <p:txEl>
+                                              <p:pRg st="7" end="7"/>
+                                            </p:txEl>
+                                          </p:spTgt>
+                                        </p:tgtEl>
+                                        <p:attrNameLst>
+                                          <p:attrName>style.visibility</p:attrName>
+                                        </p:attrNameLst>
+                                      </p:cBhvr>
+                                      <p:to>
+                                        <p:strVal val="visible"/>
+                                      </p:to>
+                                    </p:set>
+                                    <p:animEffect transition="in" filter="fade">
+                                      <p:cBhvr>
+                                        <p:cTn id="32" dur="500"/>
+                                        <p:tgtEl>
+                                          <p:spTgt spid="43">
+                                            <p:txEl>
+                                              <p:pRg st="7" end="7"/>
                                             </p:txEl>
                                           </p:spTgt>
                                         </p:tgtEl>

--- a/Software Design Principles.pptx
+++ b/Software Design Principles.pptx
@@ -29978,6 +29978,19 @@
               <a:buFont typeface="Arial"/>
               <a:buChar char="●"/>
             </a:pPr>
+            <a:r>
+              <a:rPr lang="en-US" sz="2000" dirty="0"/>
+              <a:t>Can you postpone the choice of technology/DB to later stage?</a:t>
+            </a:r>
+          </a:p>
+          <a:p>
+            <a:pPr marL="457200" indent="-419100">
+              <a:buClr>
+                <a:srgbClr val="000000"/>
+              </a:buClr>
+              <a:buFont typeface="Arial"/>
+              <a:buChar char="●"/>
+            </a:pPr>
             <a:endParaRPr lang="en-US" sz="2000" dirty="0"/>
           </a:p>
         </p:txBody>
@@ -30355,6 +30368,67 @@
                                           <p:spTgt spid="43">
                                             <p:txEl>
                                               <p:pRg st="7" end="7"/>
+                                            </p:txEl>
+                                          </p:spTgt>
+                                        </p:tgtEl>
+                                      </p:cBhvr>
+                                    </p:animEffect>
+                                  </p:childTnLst>
+                                </p:cTn>
+                              </p:par>
+                            </p:childTnLst>
+                          </p:cTn>
+                        </p:par>
+                      </p:childTnLst>
+                    </p:cTn>
+                  </p:par>
+                  <p:par>
+                    <p:cTn id="33" fill="hold">
+                      <p:stCondLst>
+                        <p:cond delay="indefinite"/>
+                      </p:stCondLst>
+                      <p:childTnLst>
+                        <p:par>
+                          <p:cTn id="34" fill="hold">
+                            <p:stCondLst>
+                              <p:cond delay="0"/>
+                            </p:stCondLst>
+                            <p:childTnLst>
+                              <p:par>
+                                <p:cTn id="35" presetID="10" presetClass="entr" presetSubtype="0" fill="hold" nodeType="clickEffect">
+                                  <p:stCondLst>
+                                    <p:cond delay="0"/>
+                                  </p:stCondLst>
+                                  <p:childTnLst>
+                                    <p:set>
+                                      <p:cBhvr>
+                                        <p:cTn id="36" dur="1" fill="hold">
+                                          <p:stCondLst>
+                                            <p:cond delay="0"/>
+                                          </p:stCondLst>
+                                        </p:cTn>
+                                        <p:tgtEl>
+                                          <p:spTgt spid="43">
+                                            <p:txEl>
+                                              <p:pRg st="8" end="8"/>
+                                            </p:txEl>
+                                          </p:spTgt>
+                                        </p:tgtEl>
+                                        <p:attrNameLst>
+                                          <p:attrName>style.visibility</p:attrName>
+                                        </p:attrNameLst>
+                                      </p:cBhvr>
+                                      <p:to>
+                                        <p:strVal val="visible"/>
+                                      </p:to>
+                                    </p:set>
+                                    <p:animEffect transition="in" filter="fade">
+                                      <p:cBhvr>
+                                        <p:cTn id="37" dur="500"/>
+                                        <p:tgtEl>
+                                          <p:spTgt spid="43">
+                                            <p:txEl>
+                                              <p:pRg st="8" end="8"/>
                                             </p:txEl>
                                           </p:spTgt>
                                         </p:tgtEl>
